--- a/week1/Lab1.pptx
+++ b/week1/Lab1.pptx
@@ -114,6 +114,11 @@
       </a:defRPr>
     </a:lvl9pPr>
   </p:defaultTextStyle>
+  <p:extLst>
+    <p:ext uri="{EFAFB233-063F-42B5-8137-9DF3F51BA10A}">
+      <p15:sldGuideLst xmlns:p15="http://schemas.microsoft.com/office/powerpoint/2012/main"/>
+    </p:ext>
+  </p:extLst>
 </p:presentation>
 </file>
 
@@ -264,7 +269,7 @@
           <a:p>
             <a:fld id="{592C130E-D6BE-B143-AFB2-2BDEE1EBA4D6}" type="datetimeFigureOut">
               <a:rPr lang="en-US" smtClean="0"/>
-              <a:t>4/3/19</a:t>
+              <a:t>4/4/19</a:t>
             </a:fld>
             <a:endParaRPr lang="en-US"/>
           </a:p>
@@ -462,7 +467,7 @@
           <a:p>
             <a:fld id="{592C130E-D6BE-B143-AFB2-2BDEE1EBA4D6}" type="datetimeFigureOut">
               <a:rPr lang="en-US" smtClean="0"/>
-              <a:t>4/3/19</a:t>
+              <a:t>4/4/19</a:t>
             </a:fld>
             <a:endParaRPr lang="en-US"/>
           </a:p>
@@ -670,7 +675,7 @@
           <a:p>
             <a:fld id="{592C130E-D6BE-B143-AFB2-2BDEE1EBA4D6}" type="datetimeFigureOut">
               <a:rPr lang="en-US" smtClean="0"/>
-              <a:t>4/3/19</a:t>
+              <a:t>4/4/19</a:t>
             </a:fld>
             <a:endParaRPr lang="en-US"/>
           </a:p>
@@ -868,7 +873,7 @@
           <a:p>
             <a:fld id="{592C130E-D6BE-B143-AFB2-2BDEE1EBA4D6}" type="datetimeFigureOut">
               <a:rPr lang="en-US" smtClean="0"/>
-              <a:t>4/3/19</a:t>
+              <a:t>4/4/19</a:t>
             </a:fld>
             <a:endParaRPr lang="en-US"/>
           </a:p>
@@ -1143,7 +1148,7 @@
           <a:p>
             <a:fld id="{592C130E-D6BE-B143-AFB2-2BDEE1EBA4D6}" type="datetimeFigureOut">
               <a:rPr lang="en-US" smtClean="0"/>
-              <a:t>4/3/19</a:t>
+              <a:t>4/4/19</a:t>
             </a:fld>
             <a:endParaRPr lang="en-US"/>
           </a:p>
@@ -1408,7 +1413,7 @@
           <a:p>
             <a:fld id="{592C130E-D6BE-B143-AFB2-2BDEE1EBA4D6}" type="datetimeFigureOut">
               <a:rPr lang="en-US" smtClean="0"/>
-              <a:t>4/3/19</a:t>
+              <a:t>4/4/19</a:t>
             </a:fld>
             <a:endParaRPr lang="en-US"/>
           </a:p>
@@ -1820,7 +1825,7 @@
           <a:p>
             <a:fld id="{592C130E-D6BE-B143-AFB2-2BDEE1EBA4D6}" type="datetimeFigureOut">
               <a:rPr lang="en-US" smtClean="0"/>
-              <a:t>4/3/19</a:t>
+              <a:t>4/4/19</a:t>
             </a:fld>
             <a:endParaRPr lang="en-US"/>
           </a:p>
@@ -1961,7 +1966,7 @@
           <a:p>
             <a:fld id="{592C130E-D6BE-B143-AFB2-2BDEE1EBA4D6}" type="datetimeFigureOut">
               <a:rPr lang="en-US" smtClean="0"/>
-              <a:t>4/3/19</a:t>
+              <a:t>4/4/19</a:t>
             </a:fld>
             <a:endParaRPr lang="en-US"/>
           </a:p>
@@ -2074,7 +2079,7 @@
           <a:p>
             <a:fld id="{592C130E-D6BE-B143-AFB2-2BDEE1EBA4D6}" type="datetimeFigureOut">
               <a:rPr lang="en-US" smtClean="0"/>
-              <a:t>4/3/19</a:t>
+              <a:t>4/4/19</a:t>
             </a:fld>
             <a:endParaRPr lang="en-US"/>
           </a:p>
@@ -2385,7 +2390,7 @@
           <a:p>
             <a:fld id="{592C130E-D6BE-B143-AFB2-2BDEE1EBA4D6}" type="datetimeFigureOut">
               <a:rPr lang="en-US" smtClean="0"/>
-              <a:t>4/3/19</a:t>
+              <a:t>4/4/19</a:t>
             </a:fld>
             <a:endParaRPr lang="en-US"/>
           </a:p>
@@ -2673,7 +2678,7 @@
           <a:p>
             <a:fld id="{592C130E-D6BE-B143-AFB2-2BDEE1EBA4D6}" type="datetimeFigureOut">
               <a:rPr lang="en-US" smtClean="0"/>
-              <a:t>4/3/19</a:t>
+              <a:t>4/4/19</a:t>
             </a:fld>
             <a:endParaRPr lang="en-US"/>
           </a:p>
@@ -2914,7 +2919,7 @@
           <a:p>
             <a:fld id="{592C130E-D6BE-B143-AFB2-2BDEE1EBA4D6}" type="datetimeFigureOut">
               <a:rPr lang="en-US" smtClean="0"/>
-              <a:t>4/3/19</a:t>
+              <a:t>4/4/19</a:t>
             </a:fld>
             <a:endParaRPr lang="en-US"/>
           </a:p>
@@ -3360,7 +3365,7 @@
             <a:pPr algn="ctr"/>
             <a:r>
               <a:rPr lang="en-US" dirty="0"/>
-              <a:t>Virtual Machine (Hypervisor)</a:t>
+              <a:t>Virtual Machine Manager(Hypervisor)</a:t>
             </a:r>
           </a:p>
         </p:txBody>
@@ -3410,8 +3415,12 @@
               <a:buNone/>
             </a:pPr>
             <a:r>
-              <a:rPr lang="en-US" dirty="0"/>
-              <a:t>Virtual machines are used to share the CPU, RAM, Hard drives, </a:t>
+              <a:rPr lang="en-US"/>
+              <a:t>Virtual machine managers are </a:t>
+            </a:r>
+            <a:r>
+              <a:rPr lang="en-US" dirty="0"/>
+              <a:t>used to share the CPU, RAM, Hard drives, </a:t>
             </a:r>
             <a:r>
               <a:rPr lang="en-US" dirty="0" err="1"/>
@@ -3752,7 +3761,7 @@
             <a:pPr algn="ctr"/>
             <a:r>
               <a:rPr lang="en-US" dirty="0"/>
-              <a:t>Virtual Machine (Hypervisor)</a:t>
+              <a:t>Virtual Machine Manager (Hypervisor)</a:t>
             </a:r>
           </a:p>
         </p:txBody>
@@ -3870,7 +3879,7 @@
             <a:pPr algn="ctr"/>
             <a:r>
               <a:rPr lang="en-US" dirty="0"/>
-              <a:t>Virtual Machine (Hypervisor)</a:t>
+              <a:t>Virtual Machine Manager(Hypervisor)</a:t>
             </a:r>
           </a:p>
         </p:txBody>
